--- a/Figures/chapter4/Presentation1.pptx
+++ b/Figures/chapter4/Presentation1.pptx
@@ -104,6 +104,11 @@
       </a:defRPr>
     </a:lvl9pPr>
   </p:defaultTextStyle>
+  <p:extLst>
+    <p:ext uri="{EFAFB233-063F-42B5-8137-9DF3F51BA10A}">
+      <p15:sldGuideLst xmlns:p15="http://schemas.microsoft.com/office/powerpoint/2012/main"/>
+    </p:ext>
+  </p:extLst>
 </p:presentation>
 </file>
 
@@ -112,18 +117,18 @@
   <pc:docChgLst>
     <pc:chgData name="Martin Brocca" userId="211d6c14909dfaff" providerId="LiveId" clId="{8DACFF1C-6F07-4F97-AB73-AF9068DFAF23}"/>
     <pc:docChg chg="undo custSel modSld">
-      <pc:chgData name="Martin Brocca" userId="211d6c14909dfaff" providerId="LiveId" clId="{8DACFF1C-6F07-4F97-AB73-AF9068DFAF23}" dt="2023-04-28T12:11:52.731" v="3" actId="14100"/>
+      <pc:chgData name="Martin Brocca" userId="211d6c14909dfaff" providerId="LiveId" clId="{8DACFF1C-6F07-4F97-AB73-AF9068DFAF23}" dt="2023-05-08T01:22:36.094" v="9" actId="14100"/>
       <pc:docMkLst>
         <pc:docMk/>
       </pc:docMkLst>
       <pc:sldChg chg="modSp mod">
-        <pc:chgData name="Martin Brocca" userId="211d6c14909dfaff" providerId="LiveId" clId="{8DACFF1C-6F07-4F97-AB73-AF9068DFAF23}" dt="2023-04-28T12:11:52.731" v="3" actId="14100"/>
+        <pc:chgData name="Martin Brocca" userId="211d6c14909dfaff" providerId="LiveId" clId="{8DACFF1C-6F07-4F97-AB73-AF9068DFAF23}" dt="2023-05-08T01:22:36.094" v="9" actId="14100"/>
         <pc:sldMkLst>
           <pc:docMk/>
           <pc:sldMk cId="2541965555" sldId="256"/>
         </pc:sldMkLst>
         <pc:spChg chg="mod">
-          <ac:chgData name="Martin Brocca" userId="211d6c14909dfaff" providerId="LiveId" clId="{8DACFF1C-6F07-4F97-AB73-AF9068DFAF23}" dt="2023-04-28T12:11:47.076" v="2" actId="14100"/>
+          <ac:chgData name="Martin Brocca" userId="211d6c14909dfaff" providerId="LiveId" clId="{8DACFF1C-6F07-4F97-AB73-AF9068DFAF23}" dt="2023-05-08T01:22:32.392" v="8" actId="14100"/>
           <ac:spMkLst>
             <pc:docMk/>
             <pc:sldMk cId="2541965555" sldId="256"/>
@@ -131,11 +136,27 @@
           </ac:spMkLst>
         </pc:spChg>
         <pc:spChg chg="mod">
-          <ac:chgData name="Martin Brocca" userId="211d6c14909dfaff" providerId="LiveId" clId="{8DACFF1C-6F07-4F97-AB73-AF9068DFAF23}" dt="2023-04-28T12:11:52.731" v="3" actId="14100"/>
+          <ac:chgData name="Martin Brocca" userId="211d6c14909dfaff" providerId="LiveId" clId="{8DACFF1C-6F07-4F97-AB73-AF9068DFAF23}" dt="2023-05-08T01:22:21.907" v="6" actId="14100"/>
+          <ac:spMkLst>
+            <pc:docMk/>
+            <pc:sldMk cId="2541965555" sldId="256"/>
+            <ac:spMk id="7" creationId="{3A1964DF-B77C-67D3-94B4-B93D0C4DCD8F}"/>
+          </ac:spMkLst>
+        </pc:spChg>
+        <pc:spChg chg="mod">
+          <ac:chgData name="Martin Brocca" userId="211d6c14909dfaff" providerId="LiveId" clId="{8DACFF1C-6F07-4F97-AB73-AF9068DFAF23}" dt="2023-05-08T01:22:36.094" v="9" actId="14100"/>
           <ac:spMkLst>
             <pc:docMk/>
             <pc:sldMk cId="2541965555" sldId="256"/>
             <ac:spMk id="10" creationId="{ABB1915D-00E8-C5CE-40ED-694A4BAE5746}"/>
+          </ac:spMkLst>
+        </pc:spChg>
+        <pc:spChg chg="mod">
+          <ac:chgData name="Martin Brocca" userId="211d6c14909dfaff" providerId="LiveId" clId="{8DACFF1C-6F07-4F97-AB73-AF9068DFAF23}" dt="2023-05-08T01:22:25.360" v="7" actId="14100"/>
+          <ac:spMkLst>
+            <pc:docMk/>
+            <pc:sldMk cId="2541965555" sldId="256"/>
+            <ac:spMk id="11" creationId="{6B9AA416-1A83-4819-68DA-916DA0E93B7A}"/>
           </ac:spMkLst>
         </pc:spChg>
         <pc:picChg chg="mod">
@@ -301,7 +322,7 @@
           <a:p>
             <a:fld id="{8F397844-3614-4311-AC15-795843F329CF}" type="datetimeFigureOut">
               <a:rPr lang="es-AR" smtClean="0"/>
-              <a:t>28/4/2023</a:t>
+              <a:t>7/5/2023</a:t>
             </a:fld>
             <a:endParaRPr lang="es-AR"/>
           </a:p>
@@ -501,7 +522,7 @@
           <a:p>
             <a:fld id="{8F397844-3614-4311-AC15-795843F329CF}" type="datetimeFigureOut">
               <a:rPr lang="es-AR" smtClean="0"/>
-              <a:t>28/4/2023</a:t>
+              <a:t>7/5/2023</a:t>
             </a:fld>
             <a:endParaRPr lang="es-AR"/>
           </a:p>
@@ -711,7 +732,7 @@
           <a:p>
             <a:fld id="{8F397844-3614-4311-AC15-795843F329CF}" type="datetimeFigureOut">
               <a:rPr lang="es-AR" smtClean="0"/>
-              <a:t>28/4/2023</a:t>
+              <a:t>7/5/2023</a:t>
             </a:fld>
             <a:endParaRPr lang="es-AR"/>
           </a:p>
@@ -911,7 +932,7 @@
           <a:p>
             <a:fld id="{8F397844-3614-4311-AC15-795843F329CF}" type="datetimeFigureOut">
               <a:rPr lang="es-AR" smtClean="0"/>
-              <a:t>28/4/2023</a:t>
+              <a:t>7/5/2023</a:t>
             </a:fld>
             <a:endParaRPr lang="es-AR"/>
           </a:p>
@@ -1187,7 +1208,7 @@
           <a:p>
             <a:fld id="{8F397844-3614-4311-AC15-795843F329CF}" type="datetimeFigureOut">
               <a:rPr lang="es-AR" smtClean="0"/>
-              <a:t>28/4/2023</a:t>
+              <a:t>7/5/2023</a:t>
             </a:fld>
             <a:endParaRPr lang="es-AR"/>
           </a:p>
@@ -1455,7 +1476,7 @@
           <a:p>
             <a:fld id="{8F397844-3614-4311-AC15-795843F329CF}" type="datetimeFigureOut">
               <a:rPr lang="es-AR" smtClean="0"/>
-              <a:t>28/4/2023</a:t>
+              <a:t>7/5/2023</a:t>
             </a:fld>
             <a:endParaRPr lang="es-AR"/>
           </a:p>
@@ -1870,7 +1891,7 @@
           <a:p>
             <a:fld id="{8F397844-3614-4311-AC15-795843F329CF}" type="datetimeFigureOut">
               <a:rPr lang="es-AR" smtClean="0"/>
-              <a:t>28/4/2023</a:t>
+              <a:t>7/5/2023</a:t>
             </a:fld>
             <a:endParaRPr lang="es-AR"/>
           </a:p>
@@ -2012,7 +2033,7 @@
           <a:p>
             <a:fld id="{8F397844-3614-4311-AC15-795843F329CF}" type="datetimeFigureOut">
               <a:rPr lang="es-AR" smtClean="0"/>
-              <a:t>28/4/2023</a:t>
+              <a:t>7/5/2023</a:t>
             </a:fld>
             <a:endParaRPr lang="es-AR"/>
           </a:p>
@@ -2125,7 +2146,7 @@
           <a:p>
             <a:fld id="{8F397844-3614-4311-AC15-795843F329CF}" type="datetimeFigureOut">
               <a:rPr lang="es-AR" smtClean="0"/>
-              <a:t>28/4/2023</a:t>
+              <a:t>7/5/2023</a:t>
             </a:fld>
             <a:endParaRPr lang="es-AR"/>
           </a:p>
@@ -2438,7 +2459,7 @@
           <a:p>
             <a:fld id="{8F397844-3614-4311-AC15-795843F329CF}" type="datetimeFigureOut">
               <a:rPr lang="es-AR" smtClean="0"/>
-              <a:t>28/4/2023</a:t>
+              <a:t>7/5/2023</a:t>
             </a:fld>
             <a:endParaRPr lang="es-AR"/>
           </a:p>
@@ -2727,7 +2748,7 @@
           <a:p>
             <a:fld id="{8F397844-3614-4311-AC15-795843F329CF}" type="datetimeFigureOut">
               <a:rPr lang="es-AR" smtClean="0"/>
-              <a:t>28/4/2023</a:t>
+              <a:t>7/5/2023</a:t>
             </a:fld>
             <a:endParaRPr lang="es-AR"/>
           </a:p>
@@ -2970,7 +2991,7 @@
           <a:p>
             <a:fld id="{8F397844-3614-4311-AC15-795843F329CF}" type="datetimeFigureOut">
               <a:rPr lang="es-AR" smtClean="0"/>
-              <a:t>28/4/2023</a:t>
+              <a:t>7/5/2023</a:t>
             </a:fld>
             <a:endParaRPr lang="es-AR"/>
           </a:p>
@@ -3432,7 +3453,7 @@
         <p:spPr>
           <a:xfrm>
             <a:off x="71021" y="1278384"/>
-            <a:ext cx="12053924" cy="2379216"/>
+            <a:ext cx="11079332" cy="2379216"/>
           </a:xfrm>
           <a:prstGeom prst="rect">
             <a:avLst/>
@@ -3484,7 +3505,7 @@
         <p:spPr>
           <a:xfrm>
             <a:off x="9416722" y="1622867"/>
-            <a:ext cx="2625927" cy="1200329"/>
+            <a:ext cx="1795775" cy="1323439"/>
           </a:xfrm>
           <a:prstGeom prst="rect">
             <a:avLst/>
@@ -3498,7 +3519,7 @@
           <a:lstStyle/>
           <a:p>
             <a:r>
-              <a:rPr lang="es-AR" sz="2400" dirty="0"/>
+              <a:rPr lang="es-AR" sz="2000" dirty="0"/>
               <a:t>Sensor de temperatura y humedad ambiente</a:t>
             </a:r>
           </a:p>
@@ -3519,7 +3540,7 @@
         <p:spPr>
           <a:xfrm>
             <a:off x="71022" y="3725928"/>
-            <a:ext cx="12053924" cy="2912616"/>
+            <a:ext cx="11079331" cy="2912616"/>
           </a:xfrm>
           <a:prstGeom prst="rect">
             <a:avLst/>
@@ -3570,8 +3591,8 @@
         </p:nvSpPr>
         <p:spPr>
           <a:xfrm>
-            <a:off x="9416721" y="4748619"/>
-            <a:ext cx="2625927" cy="830997"/>
+            <a:off x="9416722" y="4748619"/>
+            <a:ext cx="1795776" cy="1323439"/>
           </a:xfrm>
           <a:prstGeom prst="rect">
             <a:avLst/>
@@ -3585,7 +3606,7 @@
           <a:lstStyle/>
           <a:p>
             <a:r>
-              <a:rPr lang="es-AR" sz="2400" dirty="0"/>
+              <a:rPr lang="es-AR" sz="2000" dirty="0"/>
               <a:t>Sensores dobles de humedad del suelo</a:t>
             </a:r>
           </a:p>
